--- a/sprint-presentations/sprint1-presentation.pptx
+++ b/sprint-presentations/sprint1-presentation.pptx
@@ -108,6 +108,11 @@
       </a:defRPr>
     </a:lvl9pPr>
   </p:defaultTextStyle>
+  <p:extLst>
+    <p:ext uri="{EFAFB233-063F-42B5-8137-9DF3F51BA10A}">
+      <p15:sldGuideLst xmlns:p15="http://schemas.microsoft.com/office/powerpoint/2012/main"/>
+    </p:ext>
+  </p:extLst>
 </p:presentation>
 </file>
 
@@ -250,7 +255,7 @@
           <a:p>
             <a:fld id="{48A87A34-81AB-432B-8DAE-1953F412C126}" type="datetimeFigureOut">
               <a:rPr lang="en-US" dirty="0"/>
-              <a:t>11/6/16</a:t>
+              <a:t>11/7/16</a:t>
             </a:fld>
             <a:endParaRPr lang="en-US" dirty="0"/>
           </a:p>
@@ -456,7 +461,7 @@
           <a:p>
             <a:fld id="{48A87A34-81AB-432B-8DAE-1953F412C126}" type="datetimeFigureOut">
               <a:rPr lang="en-US" dirty="0"/>
-              <a:t>11/6/16</a:t>
+              <a:t>11/7/16</a:t>
             </a:fld>
             <a:endParaRPr lang="en-US" dirty="0"/>
           </a:p>
@@ -666,7 +671,7 @@
           <a:p>
             <a:fld id="{48A87A34-81AB-432B-8DAE-1953F412C126}" type="datetimeFigureOut">
               <a:rPr lang="en-US" dirty="0"/>
-              <a:t>11/6/16</a:t>
+              <a:t>11/7/16</a:t>
             </a:fld>
             <a:endParaRPr lang="en-US" dirty="0"/>
           </a:p>
@@ -862,7 +867,7 @@
           <a:p>
             <a:fld id="{48A87A34-81AB-432B-8DAE-1953F412C126}" type="datetimeFigureOut">
               <a:rPr lang="en-US" dirty="0"/>
-              <a:t>11/6/16</a:t>
+              <a:t>11/7/16</a:t>
             </a:fld>
             <a:endParaRPr lang="en-US" dirty="0"/>
           </a:p>
@@ -1136,7 +1141,7 @@
           <a:p>
             <a:fld id="{48A87A34-81AB-432B-8DAE-1953F412C126}" type="datetimeFigureOut">
               <a:rPr lang="en-US" dirty="0"/>
-              <a:t>11/6/16</a:t>
+              <a:t>11/7/16</a:t>
             </a:fld>
             <a:endParaRPr lang="en-US" dirty="0"/>
           </a:p>
@@ -1399,7 +1404,7 @@
           <a:p>
             <a:fld id="{48A87A34-81AB-432B-8DAE-1953F412C126}" type="datetimeFigureOut">
               <a:rPr lang="en-US" dirty="0"/>
-              <a:t>11/6/16</a:t>
+              <a:t>11/7/16</a:t>
             </a:fld>
             <a:endParaRPr lang="en-US" dirty="0"/>
           </a:p>
@@ -1810,7 +1815,7 @@
           <a:p>
             <a:fld id="{48A87A34-81AB-432B-8DAE-1953F412C126}" type="datetimeFigureOut">
               <a:rPr lang="en-US" dirty="0"/>
-              <a:t>11/6/16</a:t>
+              <a:t>11/7/16</a:t>
             </a:fld>
             <a:endParaRPr lang="en-US" dirty="0"/>
           </a:p>
@@ -1954,7 +1959,7 @@
           <a:p>
             <a:fld id="{48A87A34-81AB-432B-8DAE-1953F412C126}" type="datetimeFigureOut">
               <a:rPr lang="en-US" dirty="0"/>
-              <a:t>11/6/16</a:t>
+              <a:t>11/7/16</a:t>
             </a:fld>
             <a:endParaRPr lang="en-US" dirty="0"/>
           </a:p>
@@ -2075,7 +2080,7 @@
           <a:p>
             <a:fld id="{48A87A34-81AB-432B-8DAE-1953F412C126}" type="datetimeFigureOut">
               <a:rPr lang="en-US" dirty="0"/>
-              <a:t>11/6/16</a:t>
+              <a:t>11/7/16</a:t>
             </a:fld>
             <a:endParaRPr lang="en-US" dirty="0"/>
           </a:p>
@@ -2321,7 +2326,7 @@
           <a:p>
             <a:fld id="{48A87A34-81AB-432B-8DAE-1953F412C126}" type="datetimeFigureOut">
               <a:rPr lang="en-US" dirty="0"/>
-              <a:t>11/6/16</a:t>
+              <a:t>11/7/16</a:t>
             </a:fld>
             <a:endParaRPr lang="en-US" dirty="0"/>
           </a:p>
@@ -2762,7 +2767,7 @@
             <a:fld id="{48A87A34-81AB-432B-8DAE-1953F412C126}" type="datetimeFigureOut">
               <a:rPr lang="en-US" dirty="0"/>
               <a:pPr/>
-              <a:t>11/6/16</a:t>
+              <a:t>11/7/16</a:t>
             </a:fld>
             <a:endParaRPr lang="en-US" dirty="0"/>
           </a:p>
@@ -3084,7 +3089,7 @@
             <a:fld id="{48A87A34-81AB-432B-8DAE-1953F412C126}" type="datetimeFigureOut">
               <a:rPr lang="en-US" dirty="0"/>
               <a:pPr/>
-              <a:t>11/6/16</a:t>
+              <a:t>11/7/16</a:t>
             </a:fld>
             <a:endParaRPr lang="en-US" dirty="0"/>
           </a:p>
@@ -3685,6 +3690,13 @@
   <p:clrMapOvr>
     <a:masterClrMapping/>
   </p:clrMapOvr>
+  <p:timing>
+    <p:tnLst>
+      <p:par>
+        <p:cTn id="1" dur="indefinite" restart="never" nodeType="tmRoot"/>
+      </p:par>
+    </p:tnLst>
+  </p:timing>
 </p:sld>
 </file>
 
@@ -3927,6 +3939,13 @@
   <p:clrMapOvr>
     <a:masterClrMapping/>
   </p:clrMapOvr>
+  <p:timing>
+    <p:tnLst>
+      <p:par>
+        <p:cTn id="1" dur="indefinite" restart="never" nodeType="tmRoot"/>
+      </p:par>
+    </p:tnLst>
+  </p:timing>
 </p:sld>
 </file>
 
@@ -4016,6 +4035,10 @@
               <a:t>Implement document interaction logic using </a:t>
             </a:r>
             <a:r>
+              <a:rPr lang="zh-CN" altLang="en-US" dirty="0" smtClean="0"/>
+              <a:t> </a:t>
+            </a:r>
+            <a:r>
               <a:rPr lang="en-US" altLang="zh-CN" dirty="0" err="1" smtClean="0"/>
               <a:t>W</a:t>
             </a:r>
@@ -4066,6 +4089,13 @@
   <p:clrMapOvr>
     <a:masterClrMapping/>
   </p:clrMapOvr>
+  <p:timing>
+    <p:tnLst>
+      <p:par>
+        <p:cTn id="1" dur="indefinite" restart="never" nodeType="tmRoot"/>
+      </p:par>
+    </p:tnLst>
+  </p:timing>
 </p:sld>
 </file>
 
@@ -4228,6 +4258,13 @@
   <p:clrMapOvr>
     <a:masterClrMapping/>
   </p:clrMapOvr>
+  <p:timing>
+    <p:tnLst>
+      <p:par>
+        <p:cTn id="1" dur="indefinite" restart="never" nodeType="tmRoot"/>
+      </p:par>
+    </p:tnLst>
+  </p:timing>
 </p:sld>
 </file>
 
@@ -4265,6 +4302,14 @@
           <a:p>
             <a:r>
               <a:rPr lang="en-US" altLang="zh-CN" dirty="0" smtClean="0"/>
+              <a:t>Further</a:t>
+            </a:r>
+            <a:r>
+              <a:rPr lang="zh-CN" altLang="en-US" dirty="0" smtClean="0"/>
+              <a:t> </a:t>
+            </a:r>
+            <a:r>
+              <a:rPr lang="en-US" altLang="zh-CN" dirty="0" smtClean="0"/>
               <a:t>goals</a:t>
             </a:r>
             <a:endParaRPr lang="en-US" dirty="0"/>
@@ -4390,6 +4435,13 @@
   <p:clrMapOvr>
     <a:masterClrMapping/>
   </p:clrMapOvr>
+  <p:timing>
+    <p:tnLst>
+      <p:par>
+        <p:cTn id="1" dur="indefinite" restart="never" nodeType="tmRoot"/>
+      </p:par>
+    </p:tnLst>
+  </p:timing>
 </p:sld>
 </file>
 
